--- a/Next Gen Presentation.pptx
+++ b/Next Gen Presentation.pptx
@@ -19882,7 +19882,7 @@
           <a:p>
             <a:fld id="{C78AE261-FCD9-4220-8174-EC5BD3C3CE5A}" type="datetimeFigureOut">
               <a:rPr lang="en-GB" smtClean="0"/>
-              <a:t>25/10/2025</a:t>
+              <a:t>30/10/2025</a:t>
             </a:fld>
             <a:endParaRPr lang="en-GB"/>
           </a:p>
@@ -20082,7 +20082,7 @@
           <a:p>
             <a:fld id="{C78AE261-FCD9-4220-8174-EC5BD3C3CE5A}" type="datetimeFigureOut">
               <a:rPr lang="en-GB" smtClean="0"/>
-              <a:t>25/10/2025</a:t>
+              <a:t>30/10/2025</a:t>
             </a:fld>
             <a:endParaRPr lang="en-GB"/>
           </a:p>
@@ -20292,7 +20292,7 @@
           <a:p>
             <a:fld id="{C78AE261-FCD9-4220-8174-EC5BD3C3CE5A}" type="datetimeFigureOut">
               <a:rPr lang="en-GB" smtClean="0"/>
-              <a:t>25/10/2025</a:t>
+              <a:t>30/10/2025</a:t>
             </a:fld>
             <a:endParaRPr lang="en-GB"/>
           </a:p>
@@ -20492,7 +20492,7 @@
           <a:p>
             <a:fld id="{C78AE261-FCD9-4220-8174-EC5BD3C3CE5A}" type="datetimeFigureOut">
               <a:rPr lang="en-GB" smtClean="0"/>
-              <a:t>25/10/2025</a:t>
+              <a:t>30/10/2025</a:t>
             </a:fld>
             <a:endParaRPr lang="en-GB"/>
           </a:p>
@@ -20768,7 +20768,7 @@
           <a:p>
             <a:fld id="{C78AE261-FCD9-4220-8174-EC5BD3C3CE5A}" type="datetimeFigureOut">
               <a:rPr lang="en-GB" smtClean="0"/>
-              <a:t>25/10/2025</a:t>
+              <a:t>30/10/2025</a:t>
             </a:fld>
             <a:endParaRPr lang="en-GB"/>
           </a:p>
@@ -21036,7 +21036,7 @@
           <a:p>
             <a:fld id="{C78AE261-FCD9-4220-8174-EC5BD3C3CE5A}" type="datetimeFigureOut">
               <a:rPr lang="en-GB" smtClean="0"/>
-              <a:t>25/10/2025</a:t>
+              <a:t>30/10/2025</a:t>
             </a:fld>
             <a:endParaRPr lang="en-GB"/>
           </a:p>
@@ -21451,7 +21451,7 @@
           <a:p>
             <a:fld id="{C78AE261-FCD9-4220-8174-EC5BD3C3CE5A}" type="datetimeFigureOut">
               <a:rPr lang="en-GB" smtClean="0"/>
-              <a:t>25/10/2025</a:t>
+              <a:t>30/10/2025</a:t>
             </a:fld>
             <a:endParaRPr lang="en-GB"/>
           </a:p>
@@ -21593,7 +21593,7 @@
           <a:p>
             <a:fld id="{C78AE261-FCD9-4220-8174-EC5BD3C3CE5A}" type="datetimeFigureOut">
               <a:rPr lang="en-GB" smtClean="0"/>
-              <a:t>25/10/2025</a:t>
+              <a:t>30/10/2025</a:t>
             </a:fld>
             <a:endParaRPr lang="en-GB"/>
           </a:p>
@@ -21706,7 +21706,7 @@
           <a:p>
             <a:fld id="{C78AE261-FCD9-4220-8174-EC5BD3C3CE5A}" type="datetimeFigureOut">
               <a:rPr lang="en-GB" smtClean="0"/>
-              <a:t>25/10/2025</a:t>
+              <a:t>30/10/2025</a:t>
             </a:fld>
             <a:endParaRPr lang="en-GB"/>
           </a:p>
@@ -22019,7 +22019,7 @@
           <a:p>
             <a:fld id="{C78AE261-FCD9-4220-8174-EC5BD3C3CE5A}" type="datetimeFigureOut">
               <a:rPr lang="en-GB" smtClean="0"/>
-              <a:t>25/10/2025</a:t>
+              <a:t>30/10/2025</a:t>
             </a:fld>
             <a:endParaRPr lang="en-GB"/>
           </a:p>
@@ -22308,7 +22308,7 @@
           <a:p>
             <a:fld id="{C78AE261-FCD9-4220-8174-EC5BD3C3CE5A}" type="datetimeFigureOut">
               <a:rPr lang="en-GB" smtClean="0"/>
-              <a:t>25/10/2025</a:t>
+              <a:t>30/10/2025</a:t>
             </a:fld>
             <a:endParaRPr lang="en-GB"/>
           </a:p>
@@ -22551,7 +22551,7 @@
           <a:p>
             <a:fld id="{C78AE261-FCD9-4220-8174-EC5BD3C3CE5A}" type="datetimeFigureOut">
               <a:rPr lang="en-GB" smtClean="0"/>
-              <a:t>25/10/2025</a:t>
+              <a:t>30/10/2025</a:t>
             </a:fld>
             <a:endParaRPr lang="en-GB"/>
           </a:p>
@@ -23203,8 +23203,15 @@
               <a:rPr lang="en-US" sz="2200" b="1" dirty="0"/>
             </a:br>
             <a:r>
+              <a:rPr lang="en-US" sz="2700" b="1" dirty="0"/>
+              <a:t>25/10/2025 </a:t>
+            </a:r>
+            <a:br>
               <a:rPr lang="en-US" sz="2200" b="1" dirty="0"/>
-              <a:t>25/10/2025</a:t>
+            </a:br>
+            <a:r>
+              <a:rPr lang="en-US" sz="1600" b="1" dirty="0"/>
+              <a:t>Cephard Team Lyra</a:t>
             </a:r>
             <a:endParaRPr lang="en-US" sz="8800" b="1" dirty="0"/>
           </a:p>
